--- a/01_Unit/PowerPoints/04_StringsMathConcatenationModulus.pptx
+++ b/01_Unit/PowerPoints/04_StringsMathConcatenationModulus.pptx
@@ -1514,6 +1514,44 @@
 </pc:chgInfo>
 </file>
 
+<file path=ppt/ink/ink1.xml><?xml version="1.0" encoding="utf-8"?>
+<inkml:ink xmlns:inkml="http://www.w3.org/2003/InkML">
+  <inkml:definitions>
+    <inkml:context xml:id="ctx0">
+      <inkml:inkSource xml:id="inkSrc0">
+        <inkml:traceFormat>
+          <inkml:channel name="X" type="integer" min="-1920" max="3440" units="cm"/>
+          <inkml:channel name="Y" type="integer" max="1440" units="cm"/>
+          <inkml:channel name="T" type="integer" max="2.14748E9" units="dev"/>
+        </inkml:traceFormat>
+        <inkml:channelProperties>
+          <inkml:channelProperty channel="X" name="resolution" value="67.16792" units="1/cm"/>
+          <inkml:channelProperty channel="Y" name="resolution" value="42.98507" units="1/cm"/>
+          <inkml:channelProperty channel="T" name="resolution" value="1" units="1/dev"/>
+        </inkml:channelProperties>
+      </inkml:inkSource>
+      <inkml:timestamp xml:id="ts0" timeString="2020-08-03T22:34:52.700"/>
+    </inkml:context>
+    <inkml:brush xml:id="br0">
+      <inkml:brushProperty name="width" value="0.05292" units="cm"/>
+      <inkml:brushProperty name="height" value="0.05292" units="cm"/>
+      <inkml:brushProperty name="color" value="#FF0000"/>
+    </inkml:brush>
+  </inkml:definitions>
+  <inkml:trace contextRef="#ctx0" brushRef="#br0">12841 11254 0,'0'-18'94,"-18"18"-79,-17 0 1,-18 0 0,36 0-16,-19 0 15,1 0 1,17 0-16,-17 18 31,18-18 32,-19 17-63,19-17 15,-19 0-15,1 18 16,17-18-16,1 18 16,-1-18-1,0 17 16,18 1-15,0-1 0,0 1-16,0 17 15,0-17-15,0 17 16,0-17 0,0 0-1,18-1 1,0 1 78,-1-18-94,1 0 15,0 0-15,17 0 16,0 0-16,-17 0 15,17 0-15,-17 0 16,17 0-16,0 17 16,-17 1-16,0-18 15,17 18 1,-17-1-16,-1 1 16,-17 0-16,18-1 15,-1 1 1,-17 0-16,18-1 15,-18 1-15,18 0 16,-18-1-16,0 1 16,0-1-1,0 1 1,0 0 0,0-1-16,-18-17 15,18 18-15,-18-18 16,1 0-16,-1 18 15,1-18 32,-1 0-31,0 0-16,-17 0 16,0 0-1</inkml:trace>
+  <inkml:trace contextRef="#ctx0" brushRef="#br0" timeOffset="1176.79">12171 11871 0,'0'35'78,"0"-17"-47,0 0 16,17-36 15,1-35-46,17 0-16,-35 0 16,0 18-16,0-18 15,36-18-15,-36 18 16,0 1-16,17-1 15,-17 17 1,0-17-16,0 18 16,0 0-16,0 0 15,18-18 1,-18 35 0,0 0-16,0 1 15,0-1-15,0 0 16,0 1-1,0-18 17,35 35 108,53 0-124,1 0-16,-1 35 16,-18-35-16,54 17 15,17 1-15,0 0 16,0 35-16,-88-53 15,0 0-15,0 0 16,-35 0-16</inkml:trace>
+  <inkml:trace contextRef="#ctx0" brushRef="#br0" timeOffset="2304.29">11412 11359 0,'18'0'63,"0"0"-47,-1 0-16,36 0 15,0 0-15,71 0 16,-71 0-16,17 0 15,36 0-15,17 18 16,-52 0 0,-18-1-16,-18-17 15,-17 0 48,-18 18-48,0 0 1,0 17 0,-36 0-1,1 0 1,0 18-16,17 0 16,-52 0-16,70-17 15,-53 34-15,18-35 16,35-17-1,-36 17-15,19-17 16,-1 0-16,0-1 16,1 1-1,-1-1 1</inkml:trace>
+  <inkml:trace contextRef="#ctx0" brushRef="#br0" timeOffset="4113.29">12700 10513 0,'0'0'0,"0"-18"16,0 1-1,0-19 1,18 36-1,-18-17-15,17 17 16,19 0 0,-1-18-16,-18 18 15,-17-18-15,18 18 16,0 0 0,-1 0-1,1 0 1,0 0-1,-1 0 1,1 0-16,0 0 16,-1 18-1,19 0 1,-36-1 0,0 1-16,0 17 15,17-17-15,1 17 16,-18 0-16,0-17 15,35 35-15,-35-18 16,0-17 0,0-1-16,0 19 15,0-19-15,0 1 16,0 0-16,0-1 16,0 1-16,0 35 15,-18-53 1,1 35-1,-1-35 1,1 0-16,-1 0 16,0 0-16,-17 0 31,17 0 0,-17 0-15,17 0 15,1-18-15,-1 1-1,-17-18 1,17 35 0,1-18-16,-1-17 15,18 17-15,-18 0 16,18 1-16,0-1 15,0 0 1,-17 1-16,17-1 16,0 1-1,0-1-15,0 0 16,0 1 0,0-1-1,0 0-15,0 1 16,0-19 15,0 19 94,0-1-109</inkml:trace>
+  <inkml:trace contextRef="#ctx0" brushRef="#br0" timeOffset="5512.55">12400 12188 0,'35'0'125,"-17"0"-110,35 0 1,-35 0-16</inkml:trace>
+  <inkml:trace contextRef="#ctx0" brushRef="#br0" timeOffset="6904.4">12629 12206 0,'18'-18'15,"0"18"1,-1-17-1,1 17 1,0-35 0,-1 35-1,1 0-15,0 0 0,17 0 16,-18 0 0,19 0-16,-1 0 15,-17 0 1,-1 0-1,1 0 1,0 0-16,17 0 16,-35 17-1,18 1 1,-18-1-16,0 19 16,17-19-16,-17 19 15,0-19-15,0 19 16,0-1-16,0-18 15,0 1-15,0 0 16,0-1-16,0 1 16,-17 17-1,-1-35 1,0 18-16,1 0 16,-1-18-16,0 17 15,1-17 1,-1 18 46,0-18-46,1 0-16,-1-18 16,18 1-16,-35-19 15,0 1-15,17 0 16,0 35-16,18-18 0,-17 18 31,17-35-15,0 0 15,0 17-15,0 0-1,0 1-15,0-1 16</inkml:trace>
+  <inkml:trace contextRef="#ctx0" brushRef="#br0" timeOffset="8008.37">12259 12612 0,'18'0'110,"17"0"-95,0 0 1,-17 0 15,-1 0-15,1 0 0,0 0-1,17 0 1,-17 0-1,-1 0-15,1 0 16,0 0 0,-1 0-16,1 0 15,0 0-15,-1 0 16,1 0-16,17-18 16,0 18-16,-17 0 15,0 0-15,-1 0 16,19 0-16,-1 0 15,-18 0-15,1 0 16,0 0-16,17 0 16,-17 0-16,17 0 15,0 0 1,18 0-16,-18 0 16,1 0-16,34 0 15,-34 0 1,-1 0-1,0 0-15,0 0 16,-17 0 15,0 0-15,-1 0 0,1 0 30,0 0-30</inkml:trace>
+  <inkml:trace contextRef="#ctx0" brushRef="#br0" timeOffset="9328.98">13159 12771 0,'-18'0'15,"0"0"1,1 0-16,-1 0 16,-17 0-16,0 0 15,-1 0-15,-17 0 16,-17 0-16,34 0 16,-16 0-16,34 0 15,0 0 1,1 17-1,17 1 1,-18-18 125,18 17-126,0 36-15,18-35 16,-18 17-16,17-17 16,-17 17-16,18-35 15,-18 18-15,18 0 110,-1-18-95,18 0-15,36 0 16,-53 0-16,35 0 15,0 0 1,-18 0-16,35 0 16,-34 0-16,17 0 15,-36 0 1,1 0 93,-18 35-93,0 0 0,-18 0-16,1-17 15,-19 17-15,1 1 16,17-19-16,1 1 15,17 17-15,-18-35 16,0 18 0,18-1-1,-17 1 1,-1-18-16,18 18 16,-17-18-16,-1 0 15,-17 0-15,17 0 16,-17 0-16,17 0 15,0 0 95</inkml:trace>
+  <inkml:trace contextRef="#ctx0" brushRef="#br0" timeOffset="13104.19">13564 10813 0,'0'17'125,"0"1"-110,0 0-15,-17-1 16,17 1 0,-18-18 77,0-18-61,18 1-17,0-19-15,0 1 16,0 0-16,0 17 16,0-17-16,0 0 15,0 17-15,0 0 16,0 1-1,0-1 1,18 18-16,0-18 16,17 18 62,0 0-63,-17 0-15,-1 0 16,1 0-16,0 0 78,-1 0 0,1 0-31,0 0 0,17 0-16</inkml:trace>
+  <inkml:trace contextRef="#ctx0" brushRef="#br0" timeOffset="14929.23">14623 10354 0,'0'-18'62,"-18"18"-46,-17 0-16,-1 0 16,-52 0-16,18 0 15,-1 0-15,-17 0 16,53 0-16,-1 18 16,-34-18-16,35 0 15,-1 0-15,1 18 16,17-1 156,18 1-157,0 0-15,0 17 16,0 18-16,18-18 16,-18 0-16,35 18 15,1-17-15,-36-1 16,17 0-16,1 0 15,-18-17 110,35-18-109,-17 0-16,17 0 16,0 0-16,1 0 15,-19 0-15,1 0 16,35 0-16,-36 0 16,36 0-16,0 0 15,0 0-15,-35 0 16,17 0 15,0 0 0,-17 18-15,-18-1-16,18-17 16,-18 18-16,0 17 15,0-17 1,0-1-16,0 1 15,0 17 1,0-17 0,-18 0-16,-17-1 15,17 1-15,0-18 16,-34 35-16,34-17 16,0-1-1,1 1-15,-1 0 16,18-1-16,-18-17 15,1 0 48,-1 0-47,0 0-1,1 0 1,-1 0-1,-17 0 1,17 0 15,1 0-31,-1 0 16,0 0-16,1 0 16,-19 0-1,1 0 1,0 0-1,17 0 1,1 0 0,-1 0-16,0 0 15,1 0-15,-1 0 16,0 0 0</inkml:trace>
+  <inkml:trace contextRef="#ctx0" brushRef="#br0" timeOffset="18793.04">15011 10231 0,'0'-18'16,"-36"18"15,36-18-31,-17 18 31,-1 0-15,-17 0 15,17-17-15,1-1-16,-19 18 16,1 0-1,0 0-15,-1 0 16,1-35-16,0 17 15,17 18-15,-17 0 16,-53-35-16,70 35 16,-35-35-16,-35 17 15,35 18-15,18-18 16,0 1-16,17 17 16,-35-18-16,35 18 15,1 0 1,-1 0 15,0 0 16,1 0-31,-1 0-1,18 35 1,-17 18-16,-1-35 15,18 17-15,0-17 16,-35 35-16,35-36 16,-18 19-16,18-1 15,-18 0-15,18 0 16,0 1-16,-17 17 16,17 17-1,0-52-15,-18-1 16,18 1-1,0 0-15,0 17 16,0-17-16,0 17 16,0-17-16,0 17 15,0-18 1,0 1 0,0 0-1,0-1-15,0 1 16,0 17-16,0-17 15,0 0-15,0 17 16,0 0 0,0 0-1,0 1-15,0-1 16,0 0 0,0-17-16,0-1 15,0 19-15,0-19 16,0 1-16,0 17 15,0-17 1,0 0-16,0-1 16,18 19-1,-1-19 1,-17 1-16,18 17 16,0 0-1,-1-17 1,19-18-16,-36 18 15,17-1 1,18-17-16,1 18 16,-1-18-1,-17 0 1,17 0-16,-17 0 0,17 0 16,35 0-1,-34 0-15,-1 0 16,18-18-16,0-17 15,-18 17-15,36-17 16,-18 35-16,-18-18 16,18 1-16,17-1 15,-34-17-15,-19 0 16,36-1-16,-53 19 16,18-36-16,-1 53 15,19-71-15,-1-17 16,0 53-1,-35-18-15,0 18 16,18-1-16,-18-17 16,0 18-16,0 0 15,0 0-15,0-36 16,0 36 0,0-18-1,0 18-15,0 17 16,0 0-16,0 1 15,0-1-15,-18 0 16,18 1 15,-17 17-15,-1-18-16,0 18 16,1 0-16,-19 0 15,1-18-15,0 18 16,17 0-16,-17 0 15,17-17 1,1 17 0,-1 0-1,0-18 17</inkml:trace>
+</inkml:ink>
+</file>
+
 <file path=ppt/notesMasters/notesMaster1.xml><?xml version="1.0" encoding="utf-8"?>
 <p:notesMaster xmlns:a="http://schemas.openxmlformats.org/drawingml/2006/main" xmlns:r="http://schemas.openxmlformats.org/officeDocument/2006/relationships" xmlns:p="http://schemas.openxmlformats.org/presentationml/2006/main">
   <p:cSld>
@@ -1596,7 +1634,7 @@
           <a:p>
             <a:fld id="{869A41BF-AD90-4A4B-A86F-778930DF2C17}" type="datetimeFigureOut">
               <a:rPr lang="en-US" smtClean="0"/>
-              <a:t>7/28/2020</a:t>
+              <a:t>8/3/2020</a:t>
             </a:fld>
             <a:endParaRPr lang="en-US"/>
           </a:p>
@@ -2591,42 +2629,7 @@
           <a:bodyPr/>
           <a:lstStyle/>
           <a:p>
-            <a:r>
-              <a:rPr lang="en-US" dirty="0"/>
-              <a:t>Alright, onto our objectives for today. </a:t>
-            </a:r>
-          </a:p>
-          <a:p>
-            <a:r>
-              <a:rPr lang="en-US" dirty="0"/>
-              <a:t>First we will learn two print commands: print and </a:t>
-            </a:r>
-            <a:r>
-              <a:rPr lang="en-US" dirty="0" err="1"/>
-              <a:t>println</a:t>
-            </a:r>
-            <a:r>
-              <a:rPr lang="en-US" dirty="0"/>
-              <a:t>. </a:t>
-            </a:r>
-          </a:p>
-          <a:p>
-            <a:r>
-              <a:rPr lang="en-US" dirty="0"/>
-              <a:t>Next we will learn what an escape sequence is and how to use them with print commands.</a:t>
-            </a:r>
-          </a:p>
-          <a:p>
-            <a:r>
-              <a:rPr lang="en-US" dirty="0"/>
-              <a:t>Then we will go over two types of errors, syntax vs runtime errors. We will also learn the bane of every programmer’s existence – debugging.</a:t>
-            </a:r>
-          </a:p>
-          <a:p>
-            <a:r>
-              <a:rPr lang="en-US" dirty="0"/>
-              <a:t>Finally, we will continue to improve our best programming practices by learning what comments are and how to add comments to our code.</a:t>
-            </a:r>
+            <a:endParaRPr lang="en-US" dirty="0"/>
           </a:p>
         </p:txBody>
       </p:sp>
@@ -3480,7 +3483,7 @@
           <a:p>
             <a:fld id="{73FDAF23-3D4C-4FDD-96F6-179D76E58521}" type="datetimeFigureOut">
               <a:rPr lang="en-US" smtClean="0"/>
-              <a:t>7/28/2020</a:t>
+              <a:t>8/3/2020</a:t>
             </a:fld>
             <a:endParaRPr lang="en-US"/>
           </a:p>
@@ -3688,7 +3691,7 @@
           <a:p>
             <a:fld id="{73FDAF23-3D4C-4FDD-96F6-179D76E58521}" type="datetimeFigureOut">
               <a:rPr lang="en-US" smtClean="0"/>
-              <a:t>7/28/2020</a:t>
+              <a:t>8/3/2020</a:t>
             </a:fld>
             <a:endParaRPr lang="en-US"/>
           </a:p>
@@ -3944,7 +3947,7 @@
           <a:p>
             <a:fld id="{73FDAF23-3D4C-4FDD-96F6-179D76E58521}" type="datetimeFigureOut">
               <a:rPr lang="en-US" smtClean="0"/>
-              <a:t>7/28/2020</a:t>
+              <a:t>8/3/2020</a:t>
             </a:fld>
             <a:endParaRPr lang="en-US"/>
           </a:p>
@@ -4118,7 +4121,7 @@
           <a:p>
             <a:fld id="{73FDAF23-3D4C-4FDD-96F6-179D76E58521}" type="datetimeFigureOut">
               <a:rPr lang="en-US" smtClean="0"/>
-              <a:t>7/28/2020</a:t>
+              <a:t>8/3/2020</a:t>
             </a:fld>
             <a:endParaRPr lang="en-US"/>
           </a:p>
@@ -4461,7 +4464,7 @@
           <a:p>
             <a:fld id="{73FDAF23-3D4C-4FDD-96F6-179D76E58521}" type="datetimeFigureOut">
               <a:rPr lang="en-US" smtClean="0"/>
-              <a:t>7/28/2020</a:t>
+              <a:t>8/3/2020</a:t>
             </a:fld>
             <a:endParaRPr lang="en-US"/>
           </a:p>
@@ -4736,7 +4739,7 @@
           <a:p>
             <a:fld id="{73FDAF23-3D4C-4FDD-96F6-179D76E58521}" type="datetimeFigureOut">
               <a:rPr lang="en-US" smtClean="0"/>
-              <a:t>7/28/2020</a:t>
+              <a:t>8/3/2020</a:t>
             </a:fld>
             <a:endParaRPr lang="en-US"/>
           </a:p>
@@ -5115,7 +5118,7 @@
           <a:p>
             <a:fld id="{73FDAF23-3D4C-4FDD-96F6-179D76E58521}" type="datetimeFigureOut">
               <a:rPr lang="en-US" smtClean="0"/>
-              <a:t>7/28/2020</a:t>
+              <a:t>8/3/2020</a:t>
             </a:fld>
             <a:endParaRPr lang="en-US"/>
           </a:p>
@@ -5233,7 +5236,7 @@
           <a:p>
             <a:fld id="{73FDAF23-3D4C-4FDD-96F6-179D76E58521}" type="datetimeFigureOut">
               <a:rPr lang="en-US" smtClean="0"/>
-              <a:t>7/28/2020</a:t>
+              <a:t>8/3/2020</a:t>
             </a:fld>
             <a:endParaRPr lang="en-US"/>
           </a:p>
@@ -5404,7 +5407,7 @@
           <a:p>
             <a:fld id="{73FDAF23-3D4C-4FDD-96F6-179D76E58521}" type="datetimeFigureOut">
               <a:rPr lang="en-US" smtClean="0"/>
-              <a:t>7/28/2020</a:t>
+              <a:t>8/3/2020</a:t>
             </a:fld>
             <a:endParaRPr lang="en-US"/>
           </a:p>
@@ -5758,7 +5761,7 @@
           <a:p>
             <a:fld id="{73FDAF23-3D4C-4FDD-96F6-179D76E58521}" type="datetimeFigureOut">
               <a:rPr lang="en-US" smtClean="0"/>
-              <a:t>7/28/2020</a:t>
+              <a:t>8/3/2020</a:t>
             </a:fld>
             <a:endParaRPr lang="en-US"/>
           </a:p>
@@ -6140,7 +6143,7 @@
           <a:p>
             <a:fld id="{73FDAF23-3D4C-4FDD-96F6-179D76E58521}" type="datetimeFigureOut">
               <a:rPr lang="en-US" smtClean="0"/>
-              <a:t>7/28/2020</a:t>
+              <a:t>8/3/2020</a:t>
             </a:fld>
             <a:endParaRPr lang="en-US"/>
           </a:p>
@@ -6427,7 +6430,7 @@
           <a:p>
             <a:fld id="{73FDAF23-3D4C-4FDD-96F6-179D76E58521}" type="datetimeFigureOut">
               <a:rPr lang="en-US" smtClean="0"/>
-              <a:t>7/28/2020</a:t>
+              <a:t>8/3/2020</a:t>
             </a:fld>
             <a:endParaRPr lang="en-US"/>
           </a:p>
@@ -8571,7 +8574,7 @@
             <a:pPr lvl="1"/>
             <a:r>
               <a:rPr lang="en-US" dirty="0"/>
-              <a:t>None</a:t>
+              <a:t>See 01_Scaffolding</a:t>
             </a:r>
           </a:p>
           <a:p>
@@ -15108,6 +15111,57 @@
           </a:p>
         </p:txBody>
       </p:sp>
+      <mc:AlternateContent xmlns:mc="http://schemas.openxmlformats.org/markup-compatibility/2006">
+        <mc:Choice xmlns:p14="http://schemas.microsoft.com/office/powerpoint/2010/main" Requires="p14">
+          <p:contentPart p14:bwMode="auto" r:id="rId2">
+            <p14:nvContentPartPr>
+              <p14:cNvPr id="3" name="Ink 2">
+                <a:extLst>
+                  <a:ext uri="{FF2B5EF4-FFF2-40B4-BE49-F238E27FC236}">
+                    <a16:creationId xmlns:a16="http://schemas.microsoft.com/office/drawing/2014/main" id="{63A016C6-4FBB-46E1-B9D9-C0624505812B}"/>
+                  </a:ext>
+                </a:extLst>
+              </p14:cNvPr>
+              <p14:cNvContentPartPr/>
+              <p14:nvPr/>
+            </p14:nvContentPartPr>
+            <p14:xfrm>
+              <a:off x="4108320" y="3587760"/>
+              <a:ext cx="1327680" cy="1219680"/>
+            </p14:xfrm>
+          </p:contentPart>
+        </mc:Choice>
+        <mc:Fallback>
+          <p:pic>
+            <p:nvPicPr>
+              <p:cNvPr id="3" name="Ink 2">
+                <a:extLst>
+                  <a:ext uri="{FF2B5EF4-FFF2-40B4-BE49-F238E27FC236}">
+                    <a16:creationId xmlns:a16="http://schemas.microsoft.com/office/drawing/2014/main" id="{63A016C6-4FBB-46E1-B9D9-C0624505812B}"/>
+                  </a:ext>
+                </a:extLst>
+              </p:cNvPr>
+              <p:cNvPicPr/>
+              <p:nvPr/>
+            </p:nvPicPr>
+            <p:blipFill>
+              <a:blip r:embed="rId3"/>
+              <a:stretch>
+                <a:fillRect/>
+              </a:stretch>
+            </p:blipFill>
+            <p:spPr>
+              <a:xfrm>
+                <a:off x="4098960" y="3578400"/>
+                <a:ext cx="1346400" cy="1238400"/>
+              </a:xfrm>
+              <a:prstGeom prst="rect">
+                <a:avLst/>
+              </a:prstGeom>
+            </p:spPr>
+          </p:pic>
+        </mc:Fallback>
+      </mc:AlternateContent>
     </p:spTree>
     <p:extLst>
       <p:ext uri="{BB962C8B-B14F-4D97-AF65-F5344CB8AC3E}">
@@ -15652,10 +15706,9 @@
           <a:p>
             <a:pPr lvl="1"/>
             <a:r>
-              <a:rPr lang="en-US"/>
+              <a:rPr lang="en-US" dirty="0"/>
               <a:t>Math Operations Sample Code</a:t>
             </a:r>
-            <a:endParaRPr lang="en-US" dirty="0"/>
           </a:p>
           <a:p>
             <a:r>
@@ -15693,7 +15746,7 @@
             <a:pPr lvl="1"/>
             <a:r>
               <a:rPr lang="en-US" dirty="0"/>
-              <a:t>None</a:t>
+              <a:t>See 01_Scaffolding</a:t>
             </a:r>
           </a:p>
           <a:p>
@@ -17716,15 +17769,6 @@
 </file>
 
 <file path=customXml/item1.xml><?xml version="1.0" encoding="utf-8"?>
-<?mso-contentType ?>
-<FormTemplates xmlns="http://schemas.microsoft.com/sharepoint/v3/contenttype/forms">
-  <Display>DocumentLibraryForm</Display>
-  <Edit>DocumentLibraryForm</Edit>
-  <New>DocumentLibraryForm</New>
-</FormTemplates>
-</file>
-
-<file path=customXml/item2.xml><?xml version="1.0" encoding="utf-8"?>
 <p:properties xmlns:p="http://schemas.microsoft.com/office/2006/metadata/properties" xmlns:xsi="http://www.w3.org/2001/XMLSchema-instance" xmlns:pc="http://schemas.microsoft.com/office/infopath/2007/PartnerControls">
   <documentManagement>
     <Invited_Students xmlns="82256a1b-9f38-4c4c-91e5-29854cada989" xsi:nil="true"/>
@@ -17777,7 +17821,7 @@
 </p:properties>
 </file>
 
-<file path=customXml/item3.xml><?xml version="1.0" encoding="utf-8"?>
+<file path=customXml/item2.xml><?xml version="1.0" encoding="utf-8"?>
 <ct:contentTypeSchema xmlns:ct="http://schemas.microsoft.com/office/2006/metadata/contentType" xmlns:ma="http://schemas.microsoft.com/office/2006/metadata/properties/metaAttributes" ct:_="" ma:_="" ma:contentTypeName="Document" ma:contentTypeID="0x010100AC977DB636FAC046B39EFB0EDCA79FB9" ma:contentTypeVersion="35" ma:contentTypeDescription="Create a new document." ma:contentTypeScope="" ma:versionID="0f64df24c85279f01587ad2aa5aed291">
   <xsd:schema xmlns:xsd="http://www.w3.org/2001/XMLSchema" xmlns:xs="http://www.w3.org/2001/XMLSchema" xmlns:p="http://schemas.microsoft.com/office/2006/metadata/properties" xmlns:ns1="http://schemas.microsoft.com/sharepoint/v3" xmlns:ns3="9e962e79-3fd0-4a6e-bcbc-b3738a4df2d9" xmlns:ns4="82256a1b-9f38-4c4c-91e5-29854cada989" targetNamespace="http://schemas.microsoft.com/office/2006/metadata/properties" ma:root="true" ma:fieldsID="86f674dd3b581b7c6038a385992766ca" ns1:_="" ns3:_="" ns4:_="">
     <xsd:import namespace="http://schemas.microsoft.com/sharepoint/v3"/>
@@ -18205,15 +18249,16 @@
 </ct:contentTypeSchema>
 </file>
 
-<file path=customXml/itemProps1.xml><?xml version="1.0" encoding="utf-8"?>
-<ds:datastoreItem xmlns:ds="http://schemas.openxmlformats.org/officeDocument/2006/customXml" ds:itemID="{6319769E-FC40-4B18-AA85-20E2280A8578}">
-  <ds:schemaRefs>
-    <ds:schemaRef ds:uri="http://schemas.microsoft.com/sharepoint/v3/contenttype/forms"/>
-  </ds:schemaRefs>
-</ds:datastoreItem>
+<file path=customXml/item3.xml><?xml version="1.0" encoding="utf-8"?>
+<?mso-contentType ?>
+<FormTemplates xmlns="http://schemas.microsoft.com/sharepoint/v3/contenttype/forms">
+  <Display>DocumentLibraryForm</Display>
+  <Edit>DocumentLibraryForm</Edit>
+  <New>DocumentLibraryForm</New>
+</FormTemplates>
 </file>
 
-<file path=customXml/itemProps2.xml><?xml version="1.0" encoding="utf-8"?>
+<file path=customXml/itemProps1.xml><?xml version="1.0" encoding="utf-8"?>
 <ds:datastoreItem xmlns:ds="http://schemas.openxmlformats.org/officeDocument/2006/customXml" ds:itemID="{81729CB2-A43D-4000-BB1E-0D4784BFC7FA}">
   <ds:schemaRefs>
     <ds:schemaRef ds:uri="http://schemas.microsoft.com/office/2006/metadata/properties"/>
@@ -18224,7 +18269,7 @@
 </ds:datastoreItem>
 </file>
 
-<file path=customXml/itemProps3.xml><?xml version="1.0" encoding="utf-8"?>
+<file path=customXml/itemProps2.xml><?xml version="1.0" encoding="utf-8"?>
 <ds:datastoreItem xmlns:ds="http://schemas.openxmlformats.org/officeDocument/2006/customXml" ds:itemID="{773D2086-0172-4CCD-8DFE-1D8A559D1C18}">
   <ds:schemaRefs>
     <ds:schemaRef ds:uri="http://schemas.microsoft.com/office/2006/metadata/contentType"/>
@@ -18242,4 +18287,12 @@
     <ds:schemaRef ds:uri="http://schemas.microsoft.com/internal/obd"/>
   </ds:schemaRefs>
 </ds:datastoreItem>
+</file>
+
+<file path=customXml/itemProps3.xml><?xml version="1.0" encoding="utf-8"?>
+<ds:datastoreItem xmlns:ds="http://schemas.openxmlformats.org/officeDocument/2006/customXml" ds:itemID="{6319769E-FC40-4B18-AA85-20E2280A8578}">
+  <ds:schemaRefs>
+    <ds:schemaRef ds:uri="http://schemas.microsoft.com/sharepoint/v3/contenttype/forms"/>
+  </ds:schemaRefs>
+</ds:datastoreItem>
 </file>